--- a/static/img/generated/cult.pptx
+++ b/static/img/generated/cult.pptx
@@ -3132,8 +3132,8 @@
         </p:blipFill>
         <p:spPr>
           <a:xfrm>
-            <a:off x="1152699" y="392471"/>
-            <a:ext cx="6838602" cy="4751029"/>
+            <a:off x="870239" y="0"/>
+            <a:ext cx="7403522" cy="5143500"/>
           </a:xfrm>
           <a:prstGeom prst="rect">
             <a:avLst/>
@@ -3149,7 +3149,7 @@
         <p:spPr>
           <a:xfrm>
             <a:off x="4001" y="6239"/>
-            <a:ext cx="9135998" cy="392471"/>
+            <a:ext cx="9135998" cy="0"/>
           </a:xfrm>
           <a:prstGeom prst="rect">
             <a:avLst/>
@@ -3175,7 +3175,7 @@
           <a:p>
             <a:r>
               <a:rPr b="1"/>
-              <a:t>root</a:t>
+              <a:t/>
             </a:r>
           </a:p>
         </p:txBody>
@@ -3221,7 +3221,7 @@
         </p:blipFill>
         <p:spPr>
           <a:xfrm>
-            <a:off x="0" y="1358176"/>
+            <a:off x="0" y="1161940"/>
             <a:ext cx="9144000" cy="2819619"/>
           </a:xfrm>
           <a:prstGeom prst="rect">
@@ -3238,7 +3238,7 @@
         <p:spPr>
           <a:xfrm>
             <a:off x="4001" y="6239"/>
-            <a:ext cx="9135998" cy="392471"/>
+            <a:ext cx="9135998" cy="0"/>
           </a:xfrm>
           <a:prstGeom prst="rect">
             <a:avLst/>
@@ -3263,17 +3263,8 @@
           </a:lstStyle>
           <a:p>
             <a:r>
-              <a:rPr>
-                <a:hlinkClick r:id="navLink0" invalidUrl="" action="ppaction://hlinksldjump" tgtFrame="" tooltip="" history="1" highlightClick="0" endSnd="0"/>
-              </a:rPr>
-              <a:t>root</a:t>
-            </a:r>
-            <a:r>
-              <a:t>  /  </a:t>
-            </a:r>
-            <a:r>
               <a:rPr b="1"/>
-              <a:t>1</a:t>
+              <a:t/>
             </a:r>
           </a:p>
         </p:txBody>
@@ -3319,8 +3310,8 @@
         </p:blipFill>
         <p:spPr>
           <a:xfrm>
-            <a:off x="777647" y="392471"/>
-            <a:ext cx="7588705" cy="4751029"/>
+            <a:off x="464205" y="0"/>
+            <a:ext cx="8215590" cy="5143500"/>
           </a:xfrm>
           <a:prstGeom prst="rect">
             <a:avLst/>
@@ -3336,7 +3327,7 @@
         <p:spPr>
           <a:xfrm>
             <a:off x="4001" y="6239"/>
-            <a:ext cx="9135998" cy="392471"/>
+            <a:ext cx="9135998" cy="0"/>
           </a:xfrm>
           <a:prstGeom prst="rect">
             <a:avLst/>
@@ -3361,17 +3352,8 @@
           </a:lstStyle>
           <a:p>
             <a:r>
-              <a:rPr>
-                <a:hlinkClick r:id="navLink0" invalidUrl="" action="ppaction://hlinksldjump" tgtFrame="" tooltip="" history="1" highlightClick="0" endSnd="0"/>
-              </a:rPr>
-              <a:t>root</a:t>
-            </a:r>
-            <a:r>
-              <a:t>  /  </a:t>
-            </a:r>
-            <a:r>
               <a:rPr b="1"/>
-              <a:t>2</a:t>
+              <a:t/>
             </a:r>
           </a:p>
         </p:txBody>
@@ -3417,7 +3399,7 @@
         </p:blipFill>
         <p:spPr>
           <a:xfrm>
-            <a:off x="0" y="1237629"/>
+            <a:off x="0" y="1041393"/>
             <a:ext cx="9144000" cy="3060713"/>
           </a:xfrm>
           <a:prstGeom prst="rect">
@@ -3434,7 +3416,7 @@
         <p:spPr>
           <a:xfrm>
             <a:off x="4001" y="6239"/>
-            <a:ext cx="9135998" cy="392471"/>
+            <a:ext cx="9135998" cy="0"/>
           </a:xfrm>
           <a:prstGeom prst="rect">
             <a:avLst/>
@@ -3459,17 +3441,8 @@
           </a:lstStyle>
           <a:p>
             <a:r>
-              <a:rPr>
-                <a:hlinkClick r:id="navLink0" invalidUrl="" action="ppaction://hlinksldjump" tgtFrame="" tooltip="" history="1" highlightClick="0" endSnd="0"/>
-              </a:rPr>
-              <a:t>root</a:t>
-            </a:r>
-            <a:r>
-              <a:t>  /  </a:t>
-            </a:r>
-            <a:r>
               <a:rPr b="1"/>
-              <a:t>3</a:t>
+              <a:t/>
             </a:r>
           </a:p>
         </p:txBody>
@@ -3515,8 +3488,8 @@
         </p:blipFill>
         <p:spPr>
           <a:xfrm>
-            <a:off x="1669021" y="392471"/>
-            <a:ext cx="5805957" cy="4751029"/>
+            <a:off x="1429213" y="0"/>
+            <a:ext cx="6285573" cy="5143500"/>
           </a:xfrm>
           <a:prstGeom prst="rect">
             <a:avLst/>
@@ -3532,7 +3505,7 @@
         <p:spPr>
           <a:xfrm>
             <a:off x="4001" y="6239"/>
-            <a:ext cx="9135998" cy="392471"/>
+            <a:ext cx="9135998" cy="0"/>
           </a:xfrm>
           <a:prstGeom prst="rect">
             <a:avLst/>
@@ -3557,17 +3530,8 @@
           </a:lstStyle>
           <a:p>
             <a:r>
-              <a:rPr>
-                <a:hlinkClick r:id="navLink0" invalidUrl="" action="ppaction://hlinksldjump" tgtFrame="" tooltip="" history="1" highlightClick="0" endSnd="0"/>
-              </a:rPr>
-              <a:t>root</a:t>
-            </a:r>
-            <a:r>
-              <a:t>  /  </a:t>
-            </a:r>
-            <a:r>
               <a:rPr b="1"/>
-              <a:t>4</a:t>
+              <a:t/>
             </a:r>
           </a:p>
         </p:txBody>
@@ -3613,8 +3577,8 @@
         </p:blipFill>
         <p:spPr>
           <a:xfrm>
-            <a:off x="731741" y="392471"/>
-            <a:ext cx="7680517" cy="4751029"/>
+            <a:off x="414507" y="0"/>
+            <a:ext cx="8314986" cy="5143500"/>
           </a:xfrm>
           <a:prstGeom prst="rect">
             <a:avLst/>
@@ -3630,7 +3594,7 @@
         <p:spPr>
           <a:xfrm>
             <a:off x="4001" y="6239"/>
-            <a:ext cx="9135998" cy="392471"/>
+            <a:ext cx="9135998" cy="0"/>
           </a:xfrm>
           <a:prstGeom prst="rect">
             <a:avLst/>
@@ -3655,17 +3619,8 @@
           </a:lstStyle>
           <a:p>
             <a:r>
-              <a:rPr>
-                <a:hlinkClick r:id="navLink0" invalidUrl="" action="ppaction://hlinksldjump" tgtFrame="" tooltip="" history="1" highlightClick="0" endSnd="0"/>
-              </a:rPr>
-              <a:t>root</a:t>
-            </a:r>
-            <a:r>
-              <a:t>  /  </a:t>
-            </a:r>
-            <a:r>
               <a:rPr b="1"/>
-              <a:t>5</a:t>
+              <a:t/>
             </a:r>
           </a:p>
         </p:txBody>
